--- a/AP_Java/Week8/week8.pptx
+++ b/AP_Java/Week8/week8.pptx
@@ -134,6 +134,46 @@
 </p:presentation>
 </file>
 
+<file path=ppt/ink/ink1.xml><?xml version="1.0" encoding="utf-8"?>
+<inkml:ink xmlns:inkml="http://www.w3.org/2003/InkML">
+  <inkml:definitions>
+    <inkml:context xml:id="ctx0">
+      <inkml:inkSource xml:id="inkSrc0">
+        <inkml:traceFormat>
+          <inkml:channel name="X" type="integer" min="-2.14748E9" max="2.14748E9" units="cm"/>
+          <inkml:channel name="Y" type="integer" min="-2.14748E9" max="2.14748E9" units="cm"/>
+          <inkml:channel name="F" type="integer" max="32767" units="dev"/>
+        </inkml:traceFormat>
+        <inkml:channelProperties>
+          <inkml:channelProperty channel="X" name="resolution" value="1000" units="1/cm"/>
+          <inkml:channelProperty channel="Y" name="resolution" value="1000" units="1/cm"/>
+          <inkml:channelProperty channel="F" name="resolution" value="0" units="1/dev"/>
+        </inkml:channelProperties>
+      </inkml:inkSource>
+      <inkml:timestamp xml:id="ts0" timeString="2022-08-27T15:07:18.078"/>
+    </inkml:context>
+    <inkml:brush xml:id="br0">
+      <inkml:brushProperty name="width" value="0.05292" units="cm"/>
+      <inkml:brushProperty name="height" value="0.05292" units="cm"/>
+      <inkml:brushProperty name="color" value="#FF0000"/>
+    </inkml:brush>
+  </inkml:definitions>
+  <inkml:trace contextRef="#ctx0" brushRef="#br0">16441 13179 24575,'0'14'0,"0"22"0,0 2 0,0 26 0,0-1 0,0-29 0,0 0 0,0 29 0,0-1 0,0-7 0,0-7 0,0-4 0,0-6 0,0-1 0,0-3 0,0-3 0,0-9 0,0-5 0,0-10 0,0-3 0</inkml:trace>
+  <inkml:trace contextRef="#ctx0" brushRef="#br0" timeOffset="1586">16459 13267 8191,'-6'-7'0,"8"1"5063,7 6-5063,9 0 2818,2 0-2818,-2 0 1719,5 0-1719,-4 0 6784,5 0-6784,-1 0 0,-1 0 0,-1 3 0,-1 2 0,-1 5 0,-1 0 0,2 2 0,-6-1 0,2 1 0,-3 1 0,-4 0 0,-1-1 0,-5 1 0,0 0 0,-3 6 0,0 2 0,-4 10 0,-6-5 0,-1 2 0,-9-8 0,3-2 0,-2-3 0,-1-1 0,3-4 0,-3-3 0,6-4 0,-6 1 0,7-4 0,-4 3 0,5-3 0,3 0 0,1 0 0,6 0 0,-2 0 0,1 1 0,-4 1 0,0-1 0,-2 1 0,3-2 0,0 0 0,5 0 0,0 0 0</inkml:trace>
+  <inkml:trace contextRef="#ctx0" brushRef="#br0" timeOffset="13417">13445 13816 24575,'0'9'0,"0"8"0,0 5 0,0 5 0,0 8 0,0-3 0,0 0 0,0 0 0,4 2 0,-4 4 0,7 9 0,-6 8 0,3 4 0,-4 1 0,0-2 0,3-10 0,-2-9 0,3-11 0,-2-8 0,-1-2 0,2 0 0,-3-4 0,0-1 0,0-9 0,0-5 0,0-6 0,0-7 0,-4-2 0,0-4 0,-5 0 0,3 2 0,-1 3 0,4 2 0,0-2 0,-2-5 0,0-4 0,2-4 0,-1 2 0,1 0 0,3-1 0,-7-6 0,3-1 0,-2 0 0,2 9 0,1 5 0,2 11 0,-1 1 0,1 0 0,-2 0 0,1-6 0,1-1 0,-4 0 0,4 0 0,-1 2 0,1 1 0,1-1 0,0 0 0,0 3 0,0 0 0,0 3 0,0-2 0,0 2 0,0-3 0,0 1 0,0 1 0,0-2 0,4 2 0,0-4 0,4 2 0,-2 0 0,1 0 0,0 2 0,-1 1 0,2 1 0,-3 1 0,3 2 0,-1-2 0,2 2 0,0 0 0,-2 1 0,1 1 0,-1 1 0,-1 0 0,3-2 0,-1 1 0,1-1 0,1 1 0,1 1 0,1 0 0,0 0 0,1 0 0,0 0 0,-1 0 0,-2 0 0,2 0 0,-2 0 0,3 0 0,0 0 0,0 0 0,-2 0 0,-1 1 0,-2 2 0,-4 1 0,2 1 0,-2 2 0,0-1 0,0 0 0,-2 1 0,0-1 0,-2-2 0,0 1 0,0-2 0,0 1 0,0 0 0,0 2 0,0 1 0,0 1 0,0 2 0,0-2 0,0 0 0,0 1 0,0 1 0,0-2 0,0 2 0,-2 0 0,-3 3 0,-5 0 0,-1 0 0,-2-1 0,-3-1 0,2 1 0,-2-5 0,2 3 0,1-4 0,3 0 0,-2 0 0,4-4 0,-1 1 0,0-3 0,2 0 0,1 0 0,3 0 0</inkml:trace>
+  <inkml:trace contextRef="#ctx0" brushRef="#br0" timeOffset="14284">14002 14021 24575,'16'0'0,"1"0"0,3 0 0,5 0 0,-3 0 0,5 0 0,-4 0 0,1 0 0,-3 0 0,-2 0 0,-8 0 0,-3 0 0</inkml:trace>
+  <inkml:trace contextRef="#ctx0" brushRef="#br0" timeOffset="15184">14751 13595 11742,'-3'5'0,"0"2"4867,3 10-4867,0 4 2233,0 8-2233,0 8 1262,0 9-1262,0-13 0,0 1 2235,0 1 1,0 1-2236,0 5 0,0 1 0,0-5 0,0 0 0,0 0 0,0-1 0,0-2 0,0-1 0,3 27 0,-2-3 0,5-13 0,-5-6 0,2-13 0,-3-12 0,0-7 0</inkml:trace>
+  <inkml:trace contextRef="#ctx0" brushRef="#br0" timeOffset="17284">6515 13937 24575,'0'19'0,"-5"6"0,3 1 0,-4 6 0,6 1 0,0 1 0,0 6 0,0-4 0,0 1 0,0-6 0,0-4 0,2-6 0,2-1 0,2-8 0,4 1 0,0-4 0,3-3 0,1 0 0,3 0 0,0 0 0,6-3 0,-5 0 0,2-3 0,-4 0 0,-3 0 0,0-1 0,-3-9 0,2-2 0,-4-5 0,2-5 0,-3 0 0,-3-10 0,-1-1 0,-3-5 0,0 0 0,0 2 0,-2-1 0,-2 5 0,-5 0 0,1 10 0,-5 2 0,3 7 0,-4 0 0,-1 1 0,-3 2 0,-1 1 0,0 3 0,1 2 0,3-1 0,3 3 0,2 0 0,3 2 0,2 0 0,0 0 0,3 0 0,0 0 0</inkml:trace>
+  <inkml:trace contextRef="#ctx0" brushRef="#br0" timeOffset="20484">18297 13826 8191,'-4'5'0,"2"1"5063,2 21-5063,0 4 2818,0 16-2818,0-1 1719,0 4-1719,0-2 6784,0 4-6784,5-7 0,0 1 0,5-2 0,-3-7 0,1-3 0,-4-13 0,-2-8 0,-2-10 0,-3-4 0,-4-15 0,-4-3 0,-2-8 0,4 6 0,3 0 0,4 4 0,0-9 0,2 0 0,-3-10 0,3 6 0,-6 1 0,5 5 0,-4 4 0,4 3 0,-2 0 0,3 3 0,0-8 0,0-4 0,0-3 0,0 1 0,0 8 0,2 6 0,1 2 0,2 2 0,2-2 0,2 1 0,-2 2 0,2 2 0,-2 4 0,-1-3 0,3 6 0,1-3 0,3 3 0,0 0 0,0 0 0,-3 0 0,-1 0 0,-3 0 0,2 0 0,0 0 0,1 0 0,1 0 0,0 0 0,0 2 0,1 3 0,-4-1 0,-1 4 0,-3-3 0,-2 1 0,-1 1 0,0 2 0,0 1 0,0-1 0,0 3 0,0-1 0,-6 5 0,-4 0 0,-1 1 0,-4-1 0,8-4 0,-2-2 0,3-2 0,1-3 0,-2-2 0,4-1 0,-1-2 0</inkml:trace>
+  <inkml:trace contextRef="#ctx0" brushRef="#br0" timeOffset="21368">18584 13962 24575,'9'0'0,"9"0"0,5 0 0,6 0 0,3 0 0,1 0 0,-4 0 0,3 0 0,-11 0 0,-2 0 0,-12 0 0,-1 0 0</inkml:trace>
+  <inkml:trace contextRef="#ctx0" brushRef="#br0" timeOffset="22251">18772 13932 24575,'0'11'0,"0"2"0,0 13 0,0 4 0,0 3 0,0 3 0,3-10 0,0 0 0,0-9 0,3-3 0,-3-1 0,3 0 0,-2-1 0,-1-5 0,-3-1 0</inkml:trace>
+  <inkml:trace contextRef="#ctx0" brushRef="#br0" timeOffset="23001">19175 13848 24575,'0'16'0,"0"30"0,0 4 0,0-8 0,0 3 0,0-4 0,2 0 0,1 0 0,2-1 0,5 21 0,5-19 0,-7-24 0,-2-9 0</inkml:trace>
+  <inkml:trace contextRef="#ctx0" brushRef="#br0" timeOffset="27667">26185 14019 24575,'0'14'0,"0"19"0,2 7 0,5 20 0,2-2 0,2-3 0,-1-8 0,-4-9 0,-2-8 0,2-9 0,-6-5 0,3 0 0,0-1 0,-1 5 0,3-1 0,-4-1 0,1-1 0,-2-8 0,0-8 0,0-13 0,0-20 0,12-25 0,-6 23 0,3-2 0,7-9 0,3-1 0,-4 7 0,1 0 0,1 4 0,0 2 0,5-11 0,-4 17 0,-6 15 0,1 2 0,6 1 0,-1 1 0,2-2 0,-4 4 0,-3 3 0,0 0 0,0 2 0,-1-1 0,1 0 0,-3 1 0,2 1 0,-2 4 0,3 9 0,1 6 0,0 11 0,1 3 0,-1 3 0,2 10 0,-4 1 0,-1 10 0,-3-5 0,0-9 0,-4-11 0,-1-12 0,-3-8 0,0-6 0,0-5 0</inkml:trace>
+  <inkml:trace contextRef="#ctx0" brushRef="#br0" timeOffset="32133">26898 14207 24575,'10'0'0,"9"0"0,4 0 0,8 0 0,1 0 0,-3 0 0,-1 0 0,-3 0 0,-2 0 0,-6 0 0,-2 0 0,-7 0 0,1 0 0,-8 0 0,2 0 0</inkml:trace>
+  <inkml:trace contextRef="#ctx0" brushRef="#br0" timeOffset="33134">27623 13844 24575,'0'30'0,"0"4"0,0-1 0,0 3 0,0 8 0,0-1 0,0 8 0,0-8 0,0 3 0,0-4 0,0 5 0,0 4 0,3-10 0,-3 2 0,3-16 0,-3-6 0,0-10 0,0-6 0,0-5 0</inkml:trace>
+</inkml:ink>
+</file>
+
 <file path=ppt/notesMasters/notesMaster1.xml><?xml version="1.0" encoding="utf-8"?>
 <p:notesMaster xmlns:a="http://schemas.openxmlformats.org/drawingml/2006/main" xmlns:r="http://schemas.openxmlformats.org/officeDocument/2006/relationships" xmlns:p="http://schemas.openxmlformats.org/presentationml/2006/main">
   <p:cSld>
@@ -216,7 +256,7 @@
           <a:p>
             <a:fld id="{F1EAAD78-7E6E-DB42-A6B1-1C0CA5DF846D}" type="datetimeFigureOut">
               <a:rPr lang="en-US" smtClean="0"/>
-              <a:t>8/25/22</a:t>
+              <a:t>8/27/22</a:t>
             </a:fld>
             <a:endParaRPr lang="en-US"/>
           </a:p>
@@ -1123,7 +1163,7 @@
           <a:p>
             <a:fld id="{EA0C0817-A112-4847-8014-A94B7D2A4EA3}" type="datetime1">
               <a:rPr lang="en-US" smtClean="0"/>
-              <a:t>8/25/22</a:t>
+              <a:t>8/27/22</a:t>
             </a:fld>
             <a:endParaRPr lang="en-US" dirty="0"/>
           </a:p>
@@ -1325,7 +1365,7 @@
           <a:p>
             <a:fld id="{134F40B7-36AB-4376-BE14-EF7004D79BB9}" type="datetime1">
               <a:rPr lang="en-US" smtClean="0"/>
-              <a:t>8/25/22</a:t>
+              <a:t>8/27/22</a:t>
             </a:fld>
             <a:endParaRPr lang="en-US"/>
           </a:p>
@@ -1505,7 +1545,7 @@
           <a:p>
             <a:fld id="{FF87CAB8-DCAE-46A5-AADA-B3FAD11A54E0}" type="datetime1">
               <a:rPr lang="en-US" smtClean="0"/>
-              <a:t>8/25/22</a:t>
+              <a:t>8/27/22</a:t>
             </a:fld>
             <a:endParaRPr lang="en-US"/>
           </a:p>
@@ -1675,7 +1715,7 @@
           <a:p>
             <a:fld id="{7332B432-ACDA-4023-A761-2BAB76577B62}" type="datetime1">
               <a:rPr lang="en-US" smtClean="0"/>
-              <a:t>8/25/22</a:t>
+              <a:t>8/27/22</a:t>
             </a:fld>
             <a:endParaRPr lang="en-US"/>
           </a:p>
@@ -2274,7 +2314,7 @@
           <a:p>
             <a:fld id="{D9C646AA-F36E-4540-911D-FFFC0A0EF24A}" type="datetime1">
               <a:rPr lang="en-US" smtClean="0"/>
-              <a:t>8/25/22</a:t>
+              <a:t>8/27/22</a:t>
             </a:fld>
             <a:endParaRPr lang="en-US" dirty="0"/>
           </a:p>
@@ -2594,7 +2634,7 @@
           <a:p>
             <a:fld id="{69186D26-FA5F-4637-B602-B7C2DC34CFD4}" type="datetime1">
               <a:rPr lang="en-US" smtClean="0"/>
-              <a:t>8/25/22</a:t>
+              <a:t>8/27/22</a:t>
             </a:fld>
             <a:endParaRPr lang="en-US"/>
           </a:p>
@@ -3029,7 +3069,7 @@
           <a:p>
             <a:fld id="{8A7F15D8-96D1-4781-BC50-CA8A088B2FE4}" type="datetime1">
               <a:rPr lang="en-US" smtClean="0"/>
-              <a:t>8/25/22</a:t>
+              <a:t>8/27/22</a:t>
             </a:fld>
             <a:endParaRPr lang="en-US"/>
           </a:p>
@@ -3147,7 +3187,7 @@
           <a:p>
             <a:fld id="{F9A96C99-B8F8-4528-BD05-0E16E943DC09}" type="datetime1">
               <a:rPr lang="en-US" smtClean="0"/>
-              <a:t>8/25/22</a:t>
+              <a:t>8/27/22</a:t>
             </a:fld>
             <a:endParaRPr lang="en-US"/>
           </a:p>
@@ -3242,7 +3282,7 @@
           <a:p>
             <a:fld id="{03636942-C211-4B28-8DBD-C953E00AF71B}" type="datetime1">
               <a:rPr lang="en-US" smtClean="0"/>
-              <a:t>8/25/22</a:t>
+              <a:t>8/27/22</a:t>
             </a:fld>
             <a:endParaRPr lang="en-US"/>
           </a:p>
@@ -3659,7 +3699,7 @@
           <a:p>
             <a:fld id="{7E8D12A6-918A-48BD-8CB9-CA713993B0EA}" type="datetime1">
               <a:rPr lang="en-US" smtClean="0"/>
-              <a:t>8/25/22</a:t>
+              <a:t>8/27/22</a:t>
             </a:fld>
             <a:endParaRPr lang="en-US"/>
           </a:p>
@@ -3921,7 +3961,7 @@
             <a:fld id="{E778CE86-875F-4587-BCF6-FA054AFC0D53}" type="datetime1">
               <a:rPr lang="en-US" smtClean="0"/>
               <a:pPr/>
-              <a:t>8/25/22</a:t>
+              <a:t>8/27/22</a:t>
             </a:fld>
             <a:endParaRPr lang="en-US" dirty="0"/>
           </a:p>
@@ -4437,7 +4477,7 @@
           <a:p>
             <a:fld id="{F6FA2B21-3FCD-4721-B95C-427943F61125}" type="datetime1">
               <a:rPr lang="en-US" smtClean="0"/>
-              <a:t>8/25/22</a:t>
+              <a:t>8/27/22</a:t>
             </a:fld>
             <a:endParaRPr lang="en-US"/>
           </a:p>
@@ -5202,22 +5242,34 @@
           <a:p>
             <a:pPr lvl="1"/>
             <a:r>
+              <a:rPr lang="en-US" sz="2600" b="1" dirty="0"/>
+              <a:t>Partition</a:t>
+            </a:r>
+            <a:r>
               <a:rPr lang="en-US" sz="2600" dirty="0"/>
-              <a:t>Partition the array</a:t>
+              <a:t> the array</a:t>
             </a:r>
           </a:p>
           <a:p>
             <a:pPr lvl="1"/>
             <a:r>
+              <a:rPr lang="en-US" sz="2600" b="1" dirty="0"/>
+              <a:t>Quicksort</a:t>
+            </a:r>
+            <a:r>
               <a:rPr lang="en-US" sz="2600" dirty="0"/>
-              <a:t>Quicksort the left subarray</a:t>
+              <a:t> the left subarray</a:t>
             </a:r>
           </a:p>
           <a:p>
             <a:pPr lvl="1"/>
             <a:r>
+              <a:rPr lang="en-US" sz="2600" b="1" dirty="0"/>
+              <a:t>Quicksort</a:t>
+            </a:r>
+            <a:r>
               <a:rPr lang="en-US" sz="2600" dirty="0"/>
-              <a:t>Quicksort the right </a:t>
+              <a:t> the right </a:t>
             </a:r>
           </a:p>
           <a:p>
@@ -5362,6 +5414,57 @@
           </a:prstGeom>
         </p:spPr>
       </p:pic>
+      <mc:AlternateContent xmlns:mc="http://schemas.openxmlformats.org/markup-compatibility/2006">
+        <mc:Choice xmlns:p14="http://schemas.microsoft.com/office/powerpoint/2010/main" Requires="p14">
+          <p:contentPart p14:bwMode="auto" r:id="rId3">
+            <p14:nvContentPartPr>
+              <p14:cNvPr id="5" name="Ink 4">
+                <a:extLst>
+                  <a:ext uri="{FF2B5EF4-FFF2-40B4-BE49-F238E27FC236}">
+                    <a16:creationId xmlns:a16="http://schemas.microsoft.com/office/drawing/2014/main" id="{928079FA-DB0E-FF4C-A914-E279CD70B484}"/>
+                  </a:ext>
+                </a:extLst>
+              </p14:cNvPr>
+              <p14:cNvContentPartPr/>
+              <p14:nvPr/>
+            </p14:nvContentPartPr>
+            <p14:xfrm>
+              <a:off x="2340720" y="4744440"/>
+              <a:ext cx="7606080" cy="502920"/>
+            </p14:xfrm>
+          </p:contentPart>
+        </mc:Choice>
+        <mc:Fallback>
+          <p:pic>
+            <p:nvPicPr>
+              <p:cNvPr id="5" name="Ink 4">
+                <a:extLst>
+                  <a:ext uri="{FF2B5EF4-FFF2-40B4-BE49-F238E27FC236}">
+                    <a16:creationId xmlns:a16="http://schemas.microsoft.com/office/drawing/2014/main" id="{928079FA-DB0E-FF4C-A914-E279CD70B484}"/>
+                  </a:ext>
+                </a:extLst>
+              </p:cNvPr>
+              <p:cNvPicPr/>
+              <p:nvPr/>
+            </p:nvPicPr>
+            <p:blipFill>
+              <a:blip r:embed="rId4"/>
+              <a:stretch>
+                <a:fillRect/>
+              </a:stretch>
+            </p:blipFill>
+            <p:spPr>
+              <a:xfrm>
+                <a:off x="2331360" y="4735080"/>
+                <a:ext cx="7624800" cy="521640"/>
+              </a:xfrm>
+              <a:prstGeom prst="rect">
+                <a:avLst/>
+              </a:prstGeom>
+            </p:spPr>
+          </p:pic>
+        </mc:Fallback>
+      </mc:AlternateContent>
     </p:spTree>
     <p:extLst>
       <p:ext uri="{BB962C8B-B14F-4D97-AF65-F5344CB8AC3E}">
